--- a/Workshop/19. Blockchain on Azure/Blockchain on Azure.pptx
+++ b/Workshop/19. Blockchain on Azure/Blockchain on Azure.pptx
@@ -222,7 +222,7 @@
           <a:p>
             <a:fld id="{49B60EF2-7028-489F-85D8-FE86CD7CF2A0}" type="datetimeFigureOut">
               <a:rPr lang="en-US" smtClean="0"/>
-              <a:t>8/29/2017</a:t>
+              <a:t>8/31/2017</a:t>
             </a:fld>
             <a:endParaRPr lang="en-US"/>
           </a:p>
@@ -986,8 +986,41 @@
                 <a:ea typeface="+mn-ea"/>
                 <a:cs typeface="+mn-cs"/>
               </a:rPr>
-              <a:t>Blockchains are essentially a distributed database wherein each block is linked to another block in the chain by way of hashes from another block. This means that a block cannot be modified without breaking the entire chain. Having these interlinking blocks makes the chain forward moving only – data cannot be retroactively changed once it is written to a block. With this limitation, the tradeoff means that the chain is tamper resistant because changing data would change hashes, secure in that the data is immutable, and verifiable in that the hashes can be reproduced from the data.</a:t>
-            </a:r>
+              <a:t>Blockchains are essentially a distributed database wherein each block is linked to another block in the chain by way of hashes from another block. This means that a block cannot be modified without breaking the entire chain. Having these interlinking blocks makes the chain forward moving only – data cannot be retroactively changed once it is written to a block. With this limitation, the tradeoff means that the chain is tamper resistant because changing data would change hashes, secure in that the data is immutable, and verifiable in that the hashes can be reproduced from the data. Blockchain was invented</a:t>
+            </a:r>
+            <a:r>
+              <a:rPr lang="en-US" sz="1200" kern="1200" baseline="0" dirty="0">
+                <a:solidFill>
+                  <a:schemeClr val="tx1"/>
+                </a:solidFill>
+                <a:effectLst/>
+                <a:latin typeface="+mn-lt"/>
+                <a:ea typeface="+mn-ea"/>
+                <a:cs typeface="+mn-cs"/>
+              </a:rPr>
+              <a:t> for Bitcoin, but its uses go far beyond cryptocurrency. For an interesting read on how Blockchain might be used to implement secure electronic voting, see </a:t>
+            </a:r>
+            <a:r>
+              <a:rPr lang="en-US" sz="1200" kern="1200" baseline="0" dirty="0">
+                <a:solidFill>
+                  <a:schemeClr val="tx1"/>
+                </a:solidFill>
+                <a:effectLst/>
+                <a:latin typeface="+mn-lt"/>
+                <a:ea typeface="+mn-ea"/>
+                <a:cs typeface="+mn-cs"/>
+              </a:rPr>
+              <a:t>https://venturebeat.com/2016/10/22/blockchain-tech-could-fight-voter-fraud-and-these-countries-are-testing-it/.</a:t>
+            </a:r>
+            <a:endParaRPr lang="en-US" sz="1200" kern="1200" dirty="0">
+              <a:solidFill>
+                <a:schemeClr val="tx1"/>
+              </a:solidFill>
+              <a:effectLst/>
+              <a:latin typeface="+mn-lt"/>
+              <a:ea typeface="+mn-ea"/>
+              <a:cs typeface="+mn-cs"/>
+            </a:endParaRPr>
           </a:p>
         </p:txBody>
       </p:sp>
@@ -1583,7 +1616,7 @@
                 <a:ea typeface="+mn-ea"/>
                 <a:cs typeface="+mn-cs"/>
               </a:rPr>
-              <a:t>Ethereum is finding uses all over the places. Many experts consider blockchains to be a disruptive technology because it changes the way that people use technology for business. The peer-to-peer nature of the technology decentralizes control and reduce administrative overhead in many ways for maintaining data integrity.</a:t>
+              <a:t>Ethereum is finding uses all over the place. Many experts consider blockchains to be a disruptive technology because it changes the way that people use technology for business. The peer-to-peer nature of the technology decentralizes control and reduce administrative overhead in many ways for maintaining data integrity.</a:t>
             </a:r>
           </a:p>
         </p:txBody>
@@ -2011,7 +2044,7 @@
           <a:p>
             <a:fld id="{0459C166-16D3-4A25-A2F8-C51E0E346B22}" type="datetimeFigureOut">
               <a:rPr lang="en-US" smtClean="0"/>
-              <a:t>8/29/2017</a:t>
+              <a:t>8/31/2017</a:t>
             </a:fld>
             <a:endParaRPr lang="en-US"/>
           </a:p>
@@ -2106,7 +2139,7 @@
           <a:p>
             <a:fld id="{0459C166-16D3-4A25-A2F8-C51E0E346B22}" type="datetimeFigureOut">
               <a:rPr lang="en-US" smtClean="0"/>
-              <a:t>8/29/2017</a:t>
+              <a:t>8/31/2017</a:t>
             </a:fld>
             <a:endParaRPr lang="en-US"/>
           </a:p>
@@ -2381,7 +2414,7 @@
           <a:p>
             <a:fld id="{0459C166-16D3-4A25-A2F8-C51E0E346B22}" type="datetimeFigureOut">
               <a:rPr lang="en-US" smtClean="0"/>
-              <a:t>8/29/2017</a:t>
+              <a:t>8/31/2017</a:t>
             </a:fld>
             <a:endParaRPr lang="en-US"/>
           </a:p>
@@ -2633,7 +2666,7 @@
           <a:p>
             <a:fld id="{0459C166-16D3-4A25-A2F8-C51E0E346B22}" type="datetimeFigureOut">
               <a:rPr lang="en-US" smtClean="0"/>
-              <a:t>8/29/2017</a:t>
+              <a:t>8/31/2017</a:t>
             </a:fld>
             <a:endParaRPr lang="en-US"/>
           </a:p>
@@ -2801,7 +2834,7 @@
           <a:p>
             <a:fld id="{0459C166-16D3-4A25-A2F8-C51E0E346B22}" type="datetimeFigureOut">
               <a:rPr lang="en-US" smtClean="0"/>
-              <a:t>8/29/2017</a:t>
+              <a:t>8/31/2017</a:t>
             </a:fld>
             <a:endParaRPr lang="en-US"/>
           </a:p>
@@ -2979,7 +3012,7 @@
           <a:p>
             <a:fld id="{0459C166-16D3-4A25-A2F8-C51E0E346B22}" type="datetimeFigureOut">
               <a:rPr lang="en-US" smtClean="0"/>
-              <a:t>8/29/2017</a:t>
+              <a:t>8/31/2017</a:t>
             </a:fld>
             <a:endParaRPr lang="en-US"/>
           </a:p>
@@ -4884,7 +4917,7 @@
           <a:p>
             <a:fld id="{0459C166-16D3-4A25-A2F8-C51E0E346B22}" type="datetimeFigureOut">
               <a:rPr lang="en-US" smtClean="0"/>
-              <a:t>8/29/2017</a:t>
+              <a:t>8/31/2017</a:t>
             </a:fld>
             <a:endParaRPr lang="en-US"/>
           </a:p>
@@ -10448,7 +10481,7 @@
             <a:fld id="{0459C166-16D3-4A25-A2F8-C51E0E346B22}" type="datetimeFigureOut">
               <a:rPr lang="en-US" smtClean="0"/>
               <a:pPr/>
-              <a:t>8/29/2017</a:t>
+              <a:t>8/31/2017</a:t>
             </a:fld>
             <a:endParaRPr lang="en-US"/>
           </a:p>
@@ -14369,7 +14402,7 @@
           <a:p>
             <a:fld id="{0459C166-16D3-4A25-A2F8-C51E0E346B22}" type="datetimeFigureOut">
               <a:rPr lang="en-US" smtClean="0"/>
-              <a:t>8/29/2017</a:t>
+              <a:t>8/31/2017</a:t>
             </a:fld>
             <a:endParaRPr lang="en-US"/>
           </a:p>
@@ -14733,7 +14766,7 @@
           <a:p>
             <a:fld id="{0459C166-16D3-4A25-A2F8-C51E0E346B22}" type="datetimeFigureOut">
               <a:rPr lang="en-US" smtClean="0"/>
-              <a:t>8/29/2017</a:t>
+              <a:t>8/31/2017</a:t>
             </a:fld>
             <a:endParaRPr lang="en-US"/>
           </a:p>
@@ -14850,7 +14883,7 @@
           <a:p>
             <a:fld id="{0459C166-16D3-4A25-A2F8-C51E0E346B22}" type="datetimeFigureOut">
               <a:rPr lang="en-US" smtClean="0"/>
-              <a:t>8/29/2017</a:t>
+              <a:t>8/31/2017</a:t>
             </a:fld>
             <a:endParaRPr lang="en-US"/>
           </a:p>
@@ -15061,7 +15094,7 @@
           <a:p>
             <a:fld id="{0459C166-16D3-4A25-A2F8-C51E0E346B22}" type="datetimeFigureOut">
               <a:rPr lang="en-US" smtClean="0"/>
-              <a:t>8/29/2017</a:t>
+              <a:t>8/31/2017</a:t>
             </a:fld>
             <a:endParaRPr lang="en-US"/>
           </a:p>
@@ -16347,7 +16380,7 @@
           <a:p>
             <a:r>
               <a:rPr lang="en-US" dirty="0"/>
-              <a:t>Azure Blockchain as a Service</a:t>
+              <a:t>Blockchain-as-a-Service on Microsoft Azure</a:t>
             </a:r>
           </a:p>
         </p:txBody>
@@ -16453,7 +16486,7 @@
         <p:spPr>
           <a:xfrm>
             <a:off x="838199" y="1825625"/>
-            <a:ext cx="4733261" cy="4200826"/>
+            <a:ext cx="5172308" cy="4200826"/>
           </a:xfrm>
         </p:spPr>
         <p:txBody>
@@ -16467,7 +16500,16 @@
             </a:pPr>
             <a:r>
               <a:rPr lang="en-US" dirty="0"/>
-              <a:t>Solidity is a programming language used to write smart contracts. It’s syntactically similar to JavaScript. Contracts are declared in Solidity with each method being a Remote Procedure Call on that contract. </a:t>
+              <a:t>Solidity is a programming language used to write smart contracts. It is syntactically similar to JavaScript.</a:t>
+            </a:r>
+          </a:p>
+          <a:p>
+            <a:pPr marL="0" indent="0">
+              <a:buNone/>
+            </a:pPr>
+            <a:r>
+              <a:rPr lang="en-US" dirty="0"/>
+              <a:t>Contracts are declared in Solidity, with each method being a Remote Procedure Call on that contract. </a:t>
             </a:r>
           </a:p>
         </p:txBody>
@@ -16869,12 +16911,12 @@
         <p:spPr>
           <a:xfrm>
             <a:off x="838199" y="1825625"/>
-            <a:ext cx="4733261" cy="4200826"/>
+            <a:ext cx="5060796" cy="4200826"/>
           </a:xfrm>
         </p:spPr>
         <p:txBody>
           <a:bodyPr>
-            <a:normAutofit lnSpcReduction="10000"/>
+            <a:normAutofit/>
           </a:bodyPr>
           <a:lstStyle/>
           <a:p>
@@ -16882,8 +16924,12 @@
               <a:buNone/>
             </a:pPr>
             <a:r>
+              <a:rPr lang="en-US" dirty="0" err="1"/>
+              <a:t>Ethereum</a:t>
+            </a:r>
+            <a:r>
               <a:rPr lang="en-US" dirty="0"/>
-              <a:t>In addition to mining nodes, Ethereum has transaction nodes to run contracts. The JSON file produced by the Ethereum compiler is deployed to the transaction node and assigned an address. This address is used by clients to make RPC calls. Contracts can easily be deployed with Truffle.</a:t>
+              <a:t> uses transaction nodes to run contracts. The JSON file produced by the contract compiler is deployed to the transaction nodes and assigned an address. This address is used by clients to make RPC calls. Contracts can easily be created with Truffle.</a:t>
             </a:r>
           </a:p>
         </p:txBody>
@@ -17017,7 +17063,7 @@
           <a:p>
             <a:r>
               <a:rPr lang="en-US" dirty="0"/>
-              <a:t>Azure Blockchain as a Service</a:t>
+              <a:t>Azure Blockchain-as-a-Service</a:t>
             </a:r>
           </a:p>
         </p:txBody>
@@ -17049,58 +17095,20 @@
             </a:pPr>
             <a:r>
               <a:rPr lang="en-US" dirty="0"/>
-              <a:t>Azure Blockchain as a Service (BaaS) enables anyone with an Azure Subscription to spin up an Ethereum blockchain in minutes. The implementation allows the user to select the VM sizes as well as the number of VMs to run a transaction and mining nodes on the network.  </a:t>
+              <a:t>Azure enables anyone with an Azure subscription to spin up an Ethereum blockchain in minutes.</a:t>
+            </a:r>
+          </a:p>
+          <a:p>
+            <a:pPr marL="0" indent="0">
+              <a:buNone/>
+            </a:pPr>
+            <a:r>
+              <a:rPr lang="en-US" dirty="0"/>
+              <a:t>Users can specify VM sizes as well as the number of VMs to serve as mining and transaction nodes on the network.  </a:t>
             </a:r>
           </a:p>
         </p:txBody>
       </p:sp>
-      <p:pic>
-        <p:nvPicPr>
-          <p:cNvPr id="6" name="Picture 2" descr="Image result for ethereum logo">
-            <a:extLst>
-              <a:ext uri="{FF2B5EF4-FFF2-40B4-BE49-F238E27FC236}">
-                <a16:creationId xmlns:a16="http://schemas.microsoft.com/office/drawing/2014/main" id="{961C6FB0-DCA8-4409-9A7C-B95AFC79C840}"/>
-              </a:ext>
-            </a:extLst>
-          </p:cNvPr>
-          <p:cNvPicPr>
-            <a:picLocks noChangeAspect="1" noChangeArrowheads="1"/>
-          </p:cNvPicPr>
-          <p:nvPr/>
-        </p:nvPicPr>
-        <p:blipFill>
-          <a:blip r:embed="rId3">
-            <a:extLst>
-              <a:ext uri="{28A0092B-C50C-407E-A947-70E740481C1C}">
-                <a14:useLocalDpi xmlns:a14="http://schemas.microsoft.com/office/drawing/2010/main" val="0"/>
-              </a:ext>
-            </a:extLst>
-          </a:blip>
-          <a:srcRect/>
-          <a:stretch>
-            <a:fillRect/>
-          </a:stretch>
-        </p:blipFill>
-        <p:spPr bwMode="auto">
-          <a:xfrm>
-            <a:off x="6591300" y="1478147"/>
-            <a:ext cx="4762500" cy="3752850"/>
-          </a:xfrm>
-          <a:prstGeom prst="rect">
-            <a:avLst/>
-          </a:prstGeom>
-          <a:noFill/>
-          <a:extLst>
-            <a:ext uri="{909E8E84-426E-40DD-AFC4-6F175D3DCCD1}">
-              <a14:hiddenFill xmlns:a14="http://schemas.microsoft.com/office/drawing/2010/main">
-                <a:solidFill>
-                  <a:srgbClr val="FFFFFF"/>
-                </a:solidFill>
-              </a14:hiddenFill>
-            </a:ext>
-          </a:extLst>
-        </p:spPr>
-      </p:pic>
       <p:sp>
         <p:nvSpPr>
           <p:cNvPr id="4" name="Rectangle 3">
@@ -17135,6 +17143,36 @@
           </a:p>
         </p:txBody>
       </p:sp>
+      <p:pic>
+        <p:nvPicPr>
+          <p:cNvPr id="7" name="Picture 6"/>
+          <p:cNvPicPr>
+            <a:picLocks noChangeAspect="1"/>
+          </p:cNvPicPr>
+          <p:nvPr/>
+        </p:nvPicPr>
+        <p:blipFill>
+          <a:blip r:embed="rId3">
+            <a:extLst>
+              <a:ext uri="{28A0092B-C50C-407E-A947-70E740481C1C}">
+                <a14:useLocalDpi xmlns:a14="http://schemas.microsoft.com/office/drawing/2010/main" val="0"/>
+              </a:ext>
+            </a:extLst>
+          </a:blip>
+          <a:stretch>
+            <a:fillRect/>
+          </a:stretch>
+        </p:blipFill>
+        <p:spPr>
+          <a:xfrm>
+            <a:off x="7938462" y="1825625"/>
+            <a:ext cx="2940318" cy="3534937"/>
+          </a:xfrm>
+          <a:prstGeom prst="rect">
+            <a:avLst/>
+          </a:prstGeom>
+        </p:spPr>
+      </p:pic>
     </p:spTree>
     <p:extLst>
       <p:ext uri="{BB962C8B-B14F-4D97-AF65-F5344CB8AC3E}">
@@ -17202,7 +17240,10 @@
           <a:bodyPr/>
           <a:lstStyle/>
           <a:p>
-            <a:endParaRPr lang="en-US" dirty="0"/>
+            <a:r>
+              <a:rPr lang="en-US" dirty="0"/>
+              <a:t>Blockchain on Azure HOL.html</a:t>
+            </a:r>
           </a:p>
         </p:txBody>
       </p:sp>
@@ -17318,7 +17359,16 @@
             </a:pPr>
             <a:r>
               <a:rPr lang="en-US" dirty="0"/>
-              <a:t>Blockchains are in essence distributed databases in which blocks store data securely by using hashes from previous blocks. This makes the blockchain tamper resistant, secure, and verifiable.</a:t>
+              <a:t>Blockchains are distributed databases in which blocks representing transactions store data securely using hashes from previous blocks. Blockchains are tamper-resistant, secure, and verifiable.</a:t>
+            </a:r>
+          </a:p>
+          <a:p>
+            <a:pPr marL="0" indent="0">
+              <a:buNone/>
+            </a:pPr>
+            <a:r>
+              <a:rPr lang="en-US" dirty="0"/>
+              <a:t>Bitcoin is the most famous blockchain application.</a:t>
             </a:r>
           </a:p>
         </p:txBody>
@@ -17417,7 +17467,7 @@
           <a:p>
             <a:r>
               <a:rPr lang="en-US" dirty="0"/>
-              <a:t>What is a Blockchain?</a:t>
+              <a:t>How Do Blockchains Work?</a:t>
             </a:r>
           </a:p>
         </p:txBody>
@@ -17440,7 +17490,7 @@
         </p:spPr>
         <p:txBody>
           <a:bodyPr>
-            <a:normAutofit fontScale="92500" lnSpcReduction="20000"/>
+            <a:normAutofit/>
           </a:bodyPr>
           <a:lstStyle/>
           <a:p>
@@ -17449,7 +17499,16 @@
             </a:pPr>
             <a:r>
               <a:rPr lang="en-US" dirty="0"/>
-              <a:t>Traditional distributed security relied on a trusted third party authority to establish trusts between parties. Blockchains operate on peer-to-peer networks over the internet. Nodes on the network communicate on a standard protocols. New blocks are validated by the network and recorded across nodes on the network. Each block in the chain is hashed which in turn seeds the next block in the chain, creating an immutable ledger.</a:t>
+              <a:t>Traditional security relies on third parties to establish trust.</a:t>
+            </a:r>
+          </a:p>
+          <a:p>
+            <a:pPr marL="0" indent="0">
+              <a:buNone/>
+            </a:pPr>
+            <a:r>
+              <a:rPr lang="en-US" dirty="0"/>
+              <a:t>Blockchains operate on nodes connected via the internet. New blocks are validated by the network and recorded by each node. Each block in the chain is hashed, which seeds the next block in the chain, creating an immutable ledger.</a:t>
             </a:r>
           </a:p>
         </p:txBody>
@@ -17514,7 +17573,7 @@
           <a:p>
             <a:r>
               <a:rPr lang="en-US" dirty="0"/>
-              <a:t>Traditional Trusted Third Party Authority</a:t>
+              <a:t>Traditional Trusted Third-Party Authority</a:t>
             </a:r>
           </a:p>
         </p:txBody>
@@ -17534,7 +17593,7 @@
         <p:spPr>
           <a:xfrm>
             <a:off x="7536120" y="5129922"/>
-            <a:ext cx="2478564" cy="369332"/>
+            <a:ext cx="3839705" cy="369332"/>
           </a:xfrm>
           <a:prstGeom prst="rect">
             <a:avLst/>
@@ -17549,7 +17608,7 @@
           <a:p>
             <a:r>
               <a:rPr lang="en-US" dirty="0"/>
-              <a:t>The Immutable Ledger</a:t>
+              <a:t>Blockchain as an Immutable Ledger</a:t>
             </a:r>
           </a:p>
         </p:txBody>
@@ -17663,7 +17722,7 @@
             </a:pPr>
             <a:r>
               <a:rPr lang="en-US" dirty="0"/>
-              <a:t>A common concept found in most all blockchain technology is the idea of “mining”. Mining is the process of discovering new blocks to be used on the blockchain. When new blocks are discovered, the miner is rewarded with “coin,” often referred to as a cryptocurrency.</a:t>
+              <a:t>A common concept in most blockchain implementations is that of “mining”. Mining is the process that nodes use to discover and validate new blocks. When a node processes a new block, it is rewarded with “coin” in the form of cryptocurrency.</a:t>
             </a:r>
           </a:p>
         </p:txBody>
@@ -17762,7 +17821,7 @@
           <a:p>
             <a:r>
               <a:rPr lang="en-US" dirty="0"/>
-              <a:t>Using A Blockchain Network</a:t>
+              <a:t>Wallets</a:t>
             </a:r>
           </a:p>
         </p:txBody>
@@ -17785,7 +17844,7 @@
         </p:spPr>
         <p:txBody>
           <a:bodyPr>
-            <a:normAutofit fontScale="92500" lnSpcReduction="20000"/>
+            <a:normAutofit/>
           </a:bodyPr>
           <a:lstStyle/>
           <a:p>
@@ -17794,7 +17853,16 @@
             </a:pPr>
             <a:r>
               <a:rPr lang="en-US" dirty="0"/>
-              <a:t>Blockchain users setup virtual “wallets” to store records of the coin that they own in accounts via a network address. A wallet is usually an app that acts as client on the blockchain network that can send and receive coin from one address to another address on the blockchain network. One popular browser-based wallet application is </a:t>
+              <a:t>Bitcoin users set up virtual “wallets” to store the coin that they own. A wallet is usually an app that acts as client on the blockchain network and that can send and receive coin.</a:t>
+            </a:r>
+          </a:p>
+          <a:p>
+            <a:pPr marL="0" indent="0">
+              <a:buNone/>
+            </a:pPr>
+            <a:r>
+              <a:rPr lang="en-US" dirty="0"/>
+              <a:t>One popular browser-based wallet app is </a:t>
             </a:r>
             <a:r>
               <a:rPr lang="en-US" dirty="0" err="1"/>
@@ -17933,7 +18001,7 @@
             </a:pPr>
             <a:r>
               <a:rPr lang="en-US" dirty="0"/>
-              <a:t>Ethereum is both a blockchain network and a technology. Blockchains were originally designed to strictly handle cryptocurrencies. Ethereum was invented in order to create a more general-purpose blockchain that retains the concepts of the ones designed for currencies, but could be applied in other use cases.</a:t>
+              <a:t>Ethereum is both a blockchain network and an open-source technology. Blockchains were originally designed for cryptocurrencies. Ethereum was invented in order to create a more general-purpose blockchain that can be applied in new and creative ways.</a:t>
             </a:r>
           </a:p>
         </p:txBody>
@@ -18098,7 +18166,7 @@
             </a:pPr>
             <a:r>
               <a:rPr lang="en-US" dirty="0"/>
-              <a:t>Because Ethereum is general purpose, it can be used for all sorts of applications in which a secure network of trust is needed. Some possibilities include:</a:t>
+              <a:t>Because Ethereum is general-purpose, it can be used for all sorts of applications in which a secure network of trust is needed. Some possibilities include:</a:t>
             </a:r>
           </a:p>
           <a:p>
@@ -18110,31 +18178,31 @@
           <a:p>
             <a:r>
               <a:rPr lang="en-US" dirty="0"/>
-              <a:t>Voting and Elections</a:t>
+              <a:t>Secure electronic voting</a:t>
             </a:r>
           </a:p>
           <a:p>
             <a:r>
               <a:rPr lang="en-US" dirty="0"/>
-              <a:t>Identity Management</a:t>
+              <a:t>Identity management</a:t>
             </a:r>
           </a:p>
           <a:p>
             <a:r>
               <a:rPr lang="en-US" dirty="0"/>
-              <a:t>Property and Real Estate transactions</a:t>
+              <a:t>Real-estate transactions</a:t>
             </a:r>
           </a:p>
           <a:p>
             <a:r>
               <a:rPr lang="en-US" dirty="0"/>
-              <a:t>Banking of all kinds</a:t>
+              <a:t>Electronic banking</a:t>
             </a:r>
           </a:p>
           <a:p>
             <a:r>
               <a:rPr lang="en-US" dirty="0"/>
-              <a:t>Supply chain management</a:t>
+              <a:t>Supply-chain management</a:t>
             </a:r>
           </a:p>
           <a:p>
@@ -18259,7 +18327,7 @@
         </p:spPr>
         <p:txBody>
           <a:bodyPr>
-            <a:normAutofit fontScale="92500" lnSpcReduction="10000"/>
+            <a:normAutofit/>
           </a:bodyPr>
           <a:lstStyle/>
           <a:p>
@@ -18267,16 +18335,38 @@
               <a:buNone/>
             </a:pPr>
             <a:r>
-              <a:rPr lang="en-US" dirty="0"/>
-              <a:t>In addition to blocks, chains, mining, coin, and wallets, </a:t>
-            </a:r>
-            <a:r>
               <a:rPr lang="en-US" dirty="0" err="1"/>
               <a:t>Ethereum</a:t>
             </a:r>
             <a:r>
               <a:rPr lang="en-US" dirty="0"/>
-              <a:t> employees “smart contracts”.  A smart contract is in essence a program that runs on a blockchain network and called through an RPC protocol. When the program changes data on the blockchain, it costs someone ether and is a “transaction”. Data can be read a contract via a “call”, which does not cost ether if it does not modify the blockchain.</a:t>
+              <a:t> employs “smart contracts”.  A smart contract is a program that runs on a blockchain network and is called via RPC.</a:t>
+            </a:r>
+          </a:p>
+          <a:p>
+            <a:pPr marL="0" indent="0">
+              <a:buNone/>
+            </a:pPr>
+            <a:r>
+              <a:rPr lang="en-US" dirty="0"/>
+              <a:t>When an app changes data on the blockchain, it costs someone ether (</a:t>
+            </a:r>
+            <a:r>
+              <a:rPr lang="en-US" dirty="0" err="1"/>
+              <a:t>Ethereum’s</a:t>
+            </a:r>
+            <a:r>
+              <a:rPr lang="en-US" dirty="0"/>
+              <a:t> Bitcoin-like currency) and constitutes a “transaction”.</a:t>
+            </a:r>
+          </a:p>
+          <a:p>
+            <a:pPr marL="0" indent="0">
+              <a:buNone/>
+            </a:pPr>
+            <a:r>
+              <a:rPr lang="en-US" dirty="0"/>
+              <a:t>Contracts are typically written in a language called Solidity.</a:t>
             </a:r>
           </a:p>
         </p:txBody>
@@ -18375,7 +18465,7 @@
           <a:p>
             <a:r>
               <a:rPr lang="en-US" dirty="0"/>
-              <a:t>Blockchain weaknesses</a:t>
+              <a:t>Blockchain Weaknesses</a:t>
             </a:r>
           </a:p>
         </p:txBody>
@@ -18398,7 +18488,7 @@
         </p:spPr>
         <p:txBody>
           <a:bodyPr>
-            <a:normAutofit lnSpcReduction="10000"/>
+            <a:normAutofit/>
           </a:bodyPr>
           <a:lstStyle/>
           <a:p>
@@ -18407,7 +18497,33 @@
             </a:pPr>
             <a:r>
               <a:rPr lang="en-US" dirty="0"/>
-              <a:t>Blockchains are not without problems given their open nature. Ethereum in particular has been the topic of much debate in this arena because it was exploited in 2016 due to a programming flaw. Smart contracts are like any other software in that they are only as good as the developers who wrote them. Likewise contracts are visible to everyone on a network, so if a contract has a bug, anyone can exploit it.</a:t>
+              <a:t>Blockchains are not without problems. </a:t>
+            </a:r>
+            <a:r>
+              <a:rPr lang="en-US" dirty="0" err="1"/>
+              <a:t>Ethereum</a:t>
+            </a:r>
+            <a:r>
+              <a:rPr lang="en-US" dirty="0"/>
+              <a:t> in particular has been the subject of much debate because it was exploited in 2016.</a:t>
+            </a:r>
+          </a:p>
+          <a:p>
+            <a:pPr marL="0" indent="0">
+              <a:buNone/>
+            </a:pPr>
+            <a:r>
+              <a:rPr lang="en-US" dirty="0"/>
+              <a:t>Smart contracts are like any other software in that they are only as good as the developers who write them.</a:t>
+            </a:r>
+          </a:p>
+          <a:p>
+            <a:pPr marL="0" indent="0">
+              <a:buNone/>
+            </a:pPr>
+            <a:r>
+              <a:rPr lang="en-US" dirty="0"/>
+              <a:t>Contracts are visible to everyone on a network, so if a contract has a bug, anyone can exploit it.</a:t>
             </a:r>
           </a:p>
           <a:p>
